--- a/docs/VTA_Service_Overview.pptx
+++ b/docs/VTA_Service_Overview.pptx
@@ -14167,7 +14167,7 @@
               </a:defRPr>
             </a:pPr>
             <a:r>
-              <a:t>vtc-vta setup</a:t>
+              <a:t>vta-service setup</a:t>
             </a:r>
           </a:p>
           <a:p>
@@ -16209,7 +16209,7 @@
               </a:defRPr>
             </a:pPr>
             <a:r>
-              <a:t>vtc-vta-service</a:t>
+              <a:t>vta-service</a:t>
             </a:r>
           </a:p>
           <a:p>

--- a/docs/VTA_Service_Overview.pptx
+++ b/docs/VTA_Service_Overview.pptx
@@ -16304,7 +16304,7 @@
               </a:defRPr>
             </a:pPr>
             <a:r>
-              <a:t>vtc-vta-sdk</a:t>
+              <a:t>vta-sdk</a:t>
             </a:r>
           </a:p>
           <a:p>
